--- a/presentation/43-26.pptx
+++ b/presentation/43-26.pptx
@@ -3935,6 +3935,11 @@
             <a:pPr algn="ctr"/>
             <a:r>
               <a:rPr lang="en-US" sz="3600" b="1" dirty="0">
+                <a:solidFill>
+                  <a:schemeClr val="accent2">
+                    <a:lumMod val="75000"/>
+                  </a:schemeClr>
+                </a:solidFill>
                 <a:effectLst/>
                 <a:latin typeface="Times New Roman" panose="02020603050405020304" pitchFamily="18" charset="0"/>
                 <a:ea typeface="Arial" panose="020B0604020202020204" pitchFamily="34" charset="0"/>
@@ -3943,6 +3948,11 @@
               <a:t>Bridging Signal and Intelligence: A DSP-Driven EEG Feature Pipeline for Neural Network Seizure Detection</a:t>
             </a:r>
             <a:endParaRPr lang="en-US" sz="3600" b="1" dirty="0">
+              <a:solidFill>
+                <a:schemeClr val="accent2">
+                  <a:lumMod val="75000"/>
+                </a:schemeClr>
+              </a:solidFill>
               <a:effectLst/>
               <a:latin typeface="Times New Roman" panose="02020603050405020304" pitchFamily="18" charset="0"/>
               <a:ea typeface="MS Mincho" panose="02020609040205080304" pitchFamily="49" charset="-128"/>
@@ -4029,15 +4039,29 @@
                 <a:latin typeface="Times New Roman" panose="02020603050405020304" pitchFamily="18" charset="0"/>
                 <a:cs typeface="Times New Roman" panose="02020603050405020304" pitchFamily="18" charset="0"/>
               </a:rPr>
-              <a:t> (2003043)</a:t>
-            </a:r>
-          </a:p>
-          <a:p>
+              <a:t> (20030</a:t>
+            </a:r>
+            <a:r>
+              <a:rPr lang="en-US" sz="2000" b="1" dirty="0">
+                <a:latin typeface="Times New Roman" panose="02020603050405020304" pitchFamily="18" charset="0"/>
+                <a:cs typeface="Times New Roman" panose="02020603050405020304" pitchFamily="18" charset="0"/>
+              </a:rPr>
+              <a:t>43</a:t>
+            </a:r>
             <a:r>
               <a:rPr lang="en-US" sz="2000" dirty="0">
                 <a:latin typeface="Times New Roman" panose="02020603050405020304" pitchFamily="18" charset="0"/>
                 <a:cs typeface="Times New Roman" panose="02020603050405020304" pitchFamily="18" charset="0"/>
               </a:rPr>
+              <a:t>)</a:t>
+            </a:r>
+          </a:p>
+          <a:p>
+            <a:r>
+              <a:rPr lang="en-US" sz="2000" dirty="0">
+                <a:latin typeface="Times New Roman" panose="02020603050405020304" pitchFamily="18" charset="0"/>
+                <a:cs typeface="Times New Roman" panose="02020603050405020304" pitchFamily="18" charset="0"/>
+              </a:rPr>
               <a:t>Durjoy Sarkar </a:t>
             </a:r>
             <a:r>
@@ -4052,7 +4076,21 @@
                 <a:latin typeface="Times New Roman" panose="02020603050405020304" pitchFamily="18" charset="0"/>
                 <a:cs typeface="Times New Roman" panose="02020603050405020304" pitchFamily="18" charset="0"/>
               </a:rPr>
-              <a:t> (2003026)</a:t>
+              <a:t> (20030</a:t>
+            </a:r>
+            <a:r>
+              <a:rPr lang="en-US" sz="2000" b="1" dirty="0">
+                <a:latin typeface="Times New Roman" panose="02020603050405020304" pitchFamily="18" charset="0"/>
+                <a:cs typeface="Times New Roman" panose="02020603050405020304" pitchFamily="18" charset="0"/>
+              </a:rPr>
+              <a:t>26</a:t>
+            </a:r>
+            <a:r>
+              <a:rPr lang="en-US" sz="2000" dirty="0">
+                <a:latin typeface="Times New Roman" panose="02020603050405020304" pitchFamily="18" charset="0"/>
+                <a:cs typeface="Times New Roman" panose="02020603050405020304" pitchFamily="18" charset="0"/>
+              </a:rPr>
+              <a:t>)</a:t>
             </a:r>
           </a:p>
         </p:txBody>
@@ -4117,8 +4155,8 @@
         </p:nvSpPr>
         <p:spPr>
           <a:xfrm>
-            <a:off x="5033357" y="4703218"/>
-            <a:ext cx="2125285" cy="769441"/>
+            <a:off x="876709" y="4276166"/>
+            <a:ext cx="2474343" cy="769441"/>
           </a:xfrm>
           <a:prstGeom prst="rect">
             <a:avLst/>
@@ -4131,7 +4169,6 @@
           </a:bodyPr>
           <a:lstStyle/>
           <a:p>
-            <a:pPr algn="ctr"/>
             <a:r>
               <a:rPr lang="en-US" sz="2400" b="1" dirty="0">
                 <a:latin typeface="Times New Roman" panose="02020603050405020304" pitchFamily="18" charset="0"/>
@@ -4141,7 +4178,6 @@
             </a:r>
           </a:p>
           <a:p>
-            <a:pPr algn="ctr"/>
             <a:r>
               <a:rPr lang="en-US" sz="2000" dirty="0">
                 <a:latin typeface="Times New Roman" panose="02020603050405020304" pitchFamily="18" charset="0"/>
@@ -4166,8 +4202,8 @@
         </p:nvSpPr>
         <p:spPr>
           <a:xfrm>
-            <a:off x="6934250" y="3198948"/>
-            <a:ext cx="4307766" cy="991041"/>
+            <a:off x="6934249" y="3198948"/>
+            <a:ext cx="4685531" cy="1770741"/>
           </a:xfrm>
           <a:prstGeom prst="rect">
             <a:avLst/>
@@ -4231,6 +4267,74 @@
               <a:ea typeface="MS Mincho" panose="02020609040205080304" pitchFamily="49" charset="-128"/>
               <a:cs typeface="Times New Roman" panose="02020603050405020304" pitchFamily="18" charset="0"/>
             </a:endParaRPr>
+          </a:p>
+          <a:p>
+            <a:pPr marL="0" marR="0" algn="ctr">
+              <a:spcBef>
+                <a:spcPts val="0"/>
+              </a:spcBef>
+              <a:spcAft>
+                <a:spcPts val="1000"/>
+              </a:spcAft>
+            </a:pPr>
+            <a:r>
+              <a:rPr lang="en-US" sz="1800" i="1" dirty="0">
+                <a:solidFill>
+                  <a:srgbClr val="000000"/>
+                </a:solidFill>
+                <a:effectLst/>
+                <a:latin typeface="Times New Roman" panose="02020603050405020304" pitchFamily="18" charset="0"/>
+                <a:ea typeface="MS Mincho" panose="02020609040205080304" pitchFamily="49" charset="-128"/>
+                <a:cs typeface="Times New Roman" panose="02020603050405020304" pitchFamily="18" charset="0"/>
+              </a:rPr>
+              <a:t>  Associate Professor,  Dept. of EEE, KUET</a:t>
+            </a:r>
+          </a:p>
+          <a:p>
+            <a:pPr marL="0" marR="0">
+              <a:lnSpc>
+                <a:spcPct val="80000"/>
+              </a:lnSpc>
+              <a:spcBef>
+                <a:spcPts val="0"/>
+              </a:spcBef>
+              <a:spcAft>
+                <a:spcPts val="1000"/>
+              </a:spcAft>
+            </a:pPr>
+            <a:r>
+              <a:rPr lang="en-US" sz="2000" dirty="0">
+                <a:solidFill>
+                  <a:srgbClr val="000000"/>
+                </a:solidFill>
+                <a:latin typeface="Times New Roman" panose="02020603050405020304" pitchFamily="18" charset="0"/>
+                <a:ea typeface="MS Mincho" panose="02020609040205080304" pitchFamily="49" charset="-128"/>
+                <a:cs typeface="Times New Roman" panose="02020603050405020304" pitchFamily="18" charset="0"/>
+              </a:rPr>
+              <a:t>Dr. Md. </a:t>
+            </a:r>
+            <a:r>
+              <a:rPr lang="en-US" sz="2000" dirty="0" err="1">
+                <a:solidFill>
+                  <a:srgbClr val="000000"/>
+                </a:solidFill>
+                <a:latin typeface="Times New Roman" panose="02020603050405020304" pitchFamily="18" charset="0"/>
+                <a:ea typeface="MS Mincho" panose="02020609040205080304" pitchFamily="49" charset="-128"/>
+                <a:cs typeface="Times New Roman" panose="02020603050405020304" pitchFamily="18" charset="0"/>
+              </a:rPr>
+              <a:t>Mahabub</a:t>
+            </a:r>
+            <a:r>
+              <a:rPr lang="en-US" sz="2000" dirty="0">
+                <a:solidFill>
+                  <a:srgbClr val="000000"/>
+                </a:solidFill>
+                <a:latin typeface="Times New Roman" panose="02020603050405020304" pitchFamily="18" charset="0"/>
+                <a:ea typeface="MS Mincho" panose="02020609040205080304" pitchFamily="49" charset="-128"/>
+                <a:cs typeface="Times New Roman" panose="02020603050405020304" pitchFamily="18" charset="0"/>
+              </a:rPr>
+              <a:t> Hasan</a:t>
+            </a:r>
           </a:p>
           <a:p>
             <a:pPr marL="0" marR="0" algn="ctr">
@@ -4245,23 +4349,16 @@
               </a:spcAft>
             </a:pPr>
             <a:r>
-              <a:rPr lang="en-US" sz="1800" i="1" dirty="0">
+              <a:rPr lang="en-US" i="1" dirty="0">
                 <a:solidFill>
                   <a:srgbClr val="000000"/>
                 </a:solidFill>
-                <a:effectLst/>
                 <a:latin typeface="Times New Roman" panose="02020603050405020304" pitchFamily="18" charset="0"/>
                 <a:ea typeface="MS Mincho" panose="02020609040205080304" pitchFamily="49" charset="-128"/>
                 <a:cs typeface="Times New Roman" panose="02020603050405020304" pitchFamily="18" charset="0"/>
               </a:rPr>
-              <a:t>Associate Professor,  Dept. of EEE, KUET</a:t>
-            </a:r>
-            <a:endParaRPr lang="en-US" sz="1800" dirty="0">
-              <a:effectLst/>
-              <a:latin typeface="Cambria" panose="02040503050406030204" pitchFamily="18" charset="0"/>
-              <a:ea typeface="MS Mincho" panose="02020609040205080304" pitchFamily="49" charset="-128"/>
-              <a:cs typeface="Times New Roman" panose="02020603050405020304" pitchFamily="18" charset="0"/>
-            </a:endParaRPr>
+              <a:t>  Professor, Dept. of EEE, KUET</a:t>
+            </a:r>
           </a:p>
         </p:txBody>
       </p:sp>
